--- a/assets/img/case-studies/case6.pptx
+++ b/assets/img/case-studies/case6.pptx
@@ -244,7 +244,7 @@
           <a:p>
             <a:fld id="{3DE104F8-BB58-4C32-9C6F-08E25FB50337}" type="datetimeFigureOut">
               <a:rPr lang="en-US" smtClean="0"/>
-              <a:t>3/24/2023</a:t>
+              <a:t>3/25/2023</a:t>
             </a:fld>
             <a:endParaRPr lang="en-US"/>
           </a:p>
@@ -414,7 +414,7 @@
           <a:p>
             <a:fld id="{3DE104F8-BB58-4C32-9C6F-08E25FB50337}" type="datetimeFigureOut">
               <a:rPr lang="en-US" smtClean="0"/>
-              <a:t>3/24/2023</a:t>
+              <a:t>3/25/2023</a:t>
             </a:fld>
             <a:endParaRPr lang="en-US"/>
           </a:p>
@@ -594,7 +594,7 @@
           <a:p>
             <a:fld id="{3DE104F8-BB58-4C32-9C6F-08E25FB50337}" type="datetimeFigureOut">
               <a:rPr lang="en-US" smtClean="0"/>
-              <a:t>3/24/2023</a:t>
+              <a:t>3/25/2023</a:t>
             </a:fld>
             <a:endParaRPr lang="en-US"/>
           </a:p>
@@ -764,7 +764,7 @@
           <a:p>
             <a:fld id="{3DE104F8-BB58-4C32-9C6F-08E25FB50337}" type="datetimeFigureOut">
               <a:rPr lang="en-US" smtClean="0"/>
-              <a:t>3/24/2023</a:t>
+              <a:t>3/25/2023</a:t>
             </a:fld>
             <a:endParaRPr lang="en-US"/>
           </a:p>
@@ -1008,7 +1008,7 @@
           <a:p>
             <a:fld id="{3DE104F8-BB58-4C32-9C6F-08E25FB50337}" type="datetimeFigureOut">
               <a:rPr lang="en-US" smtClean="0"/>
-              <a:t>3/24/2023</a:t>
+              <a:t>3/25/2023</a:t>
             </a:fld>
             <a:endParaRPr lang="en-US"/>
           </a:p>
@@ -1240,7 +1240,7 @@
           <a:p>
             <a:fld id="{3DE104F8-BB58-4C32-9C6F-08E25FB50337}" type="datetimeFigureOut">
               <a:rPr lang="en-US" smtClean="0"/>
-              <a:t>3/24/2023</a:t>
+              <a:t>3/25/2023</a:t>
             </a:fld>
             <a:endParaRPr lang="en-US"/>
           </a:p>
@@ -1607,7 +1607,7 @@
           <a:p>
             <a:fld id="{3DE104F8-BB58-4C32-9C6F-08E25FB50337}" type="datetimeFigureOut">
               <a:rPr lang="en-US" smtClean="0"/>
-              <a:t>3/24/2023</a:t>
+              <a:t>3/25/2023</a:t>
             </a:fld>
             <a:endParaRPr lang="en-US"/>
           </a:p>
@@ -1725,7 +1725,7 @@
           <a:p>
             <a:fld id="{3DE104F8-BB58-4C32-9C6F-08E25FB50337}" type="datetimeFigureOut">
               <a:rPr lang="en-US" smtClean="0"/>
-              <a:t>3/24/2023</a:t>
+              <a:t>3/25/2023</a:t>
             </a:fld>
             <a:endParaRPr lang="en-US"/>
           </a:p>
@@ -1820,7 +1820,7 @@
           <a:p>
             <a:fld id="{3DE104F8-BB58-4C32-9C6F-08E25FB50337}" type="datetimeFigureOut">
               <a:rPr lang="en-US" smtClean="0"/>
-              <a:t>3/24/2023</a:t>
+              <a:t>3/25/2023</a:t>
             </a:fld>
             <a:endParaRPr lang="en-US"/>
           </a:p>
@@ -2097,7 +2097,7 @@
           <a:p>
             <a:fld id="{3DE104F8-BB58-4C32-9C6F-08E25FB50337}" type="datetimeFigureOut">
               <a:rPr lang="en-US" smtClean="0"/>
-              <a:t>3/24/2023</a:t>
+              <a:t>3/25/2023</a:t>
             </a:fld>
             <a:endParaRPr lang="en-US"/>
           </a:p>
@@ -2354,7 +2354,7 @@
           <a:p>
             <a:fld id="{3DE104F8-BB58-4C32-9C6F-08E25FB50337}" type="datetimeFigureOut">
               <a:rPr lang="en-US" smtClean="0"/>
-              <a:t>3/24/2023</a:t>
+              <a:t>3/25/2023</a:t>
             </a:fld>
             <a:endParaRPr lang="en-US"/>
           </a:p>
@@ -2567,7 +2567,7 @@
           <a:p>
             <a:fld id="{3DE104F8-BB58-4C32-9C6F-08E25FB50337}" type="datetimeFigureOut">
               <a:rPr lang="en-US" smtClean="0"/>
-              <a:t>3/24/2023</a:t>
+              <a:t>3/25/2023</a:t>
             </a:fld>
             <a:endParaRPr lang="en-US"/>
           </a:p>
@@ -3277,135 +3277,177 @@
           </a:prstGeom>
         </p:spPr>
       </p:pic>
-      <p:pic>
-        <p:nvPicPr>
-          <p:cNvPr id="3" name="Picture 2">
+      <p:grpSp>
+        <p:nvGrpSpPr>
+          <p:cNvPr id="12" name="Group 11">
             <a:extLst>
               <a:ext uri="{FF2B5EF4-FFF2-40B4-BE49-F238E27FC236}">
-                <a16:creationId xmlns:a16="http://schemas.microsoft.com/office/drawing/2014/main" id="{95FFBFBC-4F68-AE96-5C16-1560A5BB23C0}"/>
+                <a16:creationId xmlns:a16="http://schemas.microsoft.com/office/drawing/2014/main" id="{BF7AE8F3-36FB-4A19-8C3E-6CBC4281FEFA}"/>
               </a:ext>
             </a:extLst>
           </p:cNvPr>
-          <p:cNvPicPr>
-            <a:picLocks noChangeAspect="1"/>
-          </p:cNvPicPr>
+          <p:cNvGrpSpPr/>
           <p:nvPr/>
-        </p:nvPicPr>
-        <p:blipFill rotWithShape="1">
-          <a:blip r:embed="rId9"/>
-          <a:srcRect l="4498"/>
-          <a:stretch/>
-        </p:blipFill>
-        <p:spPr>
+        </p:nvGrpSpPr>
+        <p:grpSpPr>
           <a:xfrm>
-            <a:off x="1143000" y="1684311"/>
-            <a:ext cx="4572000" cy="1509898"/>
+            <a:off x="1224397" y="1684311"/>
+            <a:ext cx="4572000" cy="9431086"/>
+            <a:chOff x="1224397" y="1684311"/>
+            <a:chExt cx="4572000" cy="9431086"/>
           </a:xfrm>
-          <a:prstGeom prst="rect">
-            <a:avLst/>
-          </a:prstGeom>
-        </p:spPr>
-      </p:pic>
-      <p:pic>
-        <p:nvPicPr>
-          <p:cNvPr id="6" name="Picture 5">
-            <a:extLst>
-              <a:ext uri="{FF2B5EF4-FFF2-40B4-BE49-F238E27FC236}">
-                <a16:creationId xmlns:a16="http://schemas.microsoft.com/office/drawing/2014/main" id="{4B37A8E3-445B-2A8C-AD82-5EF97BB91A25}"/>
-              </a:ext>
-            </a:extLst>
-          </p:cNvPr>
-          <p:cNvPicPr>
-            <a:picLocks noChangeAspect="1"/>
-          </p:cNvPicPr>
-          <p:nvPr/>
-        </p:nvPicPr>
-        <p:blipFill>
-          <a:blip r:embed="rId10"/>
-          <a:stretch>
-            <a:fillRect/>
-          </a:stretch>
-        </p:blipFill>
-        <p:spPr>
-          <a:xfrm>
-            <a:off x="3591794" y="8786331"/>
-            <a:ext cx="2286000" cy="2329066"/>
-          </a:xfrm>
-          <a:prstGeom prst="rect">
-            <a:avLst/>
-          </a:prstGeom>
-          <a:ln w="19050">
-            <a:noFill/>
-          </a:ln>
-        </p:spPr>
-      </p:pic>
-      <p:pic>
-        <p:nvPicPr>
-          <p:cNvPr id="11" name="Picture 10">
-            <a:extLst>
-              <a:ext uri="{FF2B5EF4-FFF2-40B4-BE49-F238E27FC236}">
-                <a16:creationId xmlns:a16="http://schemas.microsoft.com/office/drawing/2014/main" id="{4328728E-F5E8-4D41-60A6-441CC68A9367}"/>
-              </a:ext>
-            </a:extLst>
-          </p:cNvPr>
-          <p:cNvPicPr>
-            <a:picLocks noChangeAspect="1"/>
-          </p:cNvPicPr>
-          <p:nvPr/>
-        </p:nvPicPr>
-        <p:blipFill rotWithShape="1">
-          <a:blip r:embed="rId11">
-            <a:extLst>
-              <a:ext uri="{28A0092B-C50C-407E-A947-70E740481C1C}">
-                <a14:useLocalDpi xmlns:a14="http://schemas.microsoft.com/office/drawing/2010/main" val="0"/>
-              </a:ext>
-            </a:extLst>
-          </a:blip>
-          <a:srcRect l="28892" t="864" r="6941" b="653"/>
-          <a:stretch/>
-        </p:blipFill>
-        <p:spPr>
-          <a:xfrm>
-            <a:off x="1143000" y="3333450"/>
-            <a:ext cx="4572000" cy="4930851"/>
-          </a:xfrm>
-          <a:prstGeom prst="rect">
-            <a:avLst/>
-          </a:prstGeom>
-          <a:ln w="19050">
-            <a:noFill/>
-          </a:ln>
-        </p:spPr>
-      </p:pic>
-      <p:pic>
-        <p:nvPicPr>
-          <p:cNvPr id="13" name="Picture 12" descr="A picture containing treemap chart&#10;&#10;Description automatically generated">
-            <a:extLst>
-              <a:ext uri="{FF2B5EF4-FFF2-40B4-BE49-F238E27FC236}">
-                <a16:creationId xmlns:a16="http://schemas.microsoft.com/office/drawing/2014/main" id="{A65ECDFA-9F15-F8EC-96F8-18C06A24A3D7}"/>
-              </a:ext>
-            </a:extLst>
-          </p:cNvPr>
-          <p:cNvPicPr>
-            <a:picLocks noChangeAspect="1"/>
-          </p:cNvPicPr>
-          <p:nvPr/>
-        </p:nvPicPr>
-        <p:blipFill rotWithShape="1">
-          <a:blip r:embed="rId12"/>
-          <a:srcRect r="9575"/>
-          <a:stretch/>
-        </p:blipFill>
-        <p:spPr>
-          <a:xfrm>
-            <a:off x="1305794" y="8392884"/>
-            <a:ext cx="2286000" cy="2722513"/>
-          </a:xfrm>
-          <a:prstGeom prst="rect">
-            <a:avLst/>
-          </a:prstGeom>
-        </p:spPr>
-      </p:pic>
+        </p:grpSpPr>
+        <p:pic>
+          <p:nvPicPr>
+            <p:cNvPr id="3" name="Picture 2">
+              <a:extLst>
+                <a:ext uri="{FF2B5EF4-FFF2-40B4-BE49-F238E27FC236}">
+                  <a16:creationId xmlns:a16="http://schemas.microsoft.com/office/drawing/2014/main" id="{95FFBFBC-4F68-AE96-5C16-1560A5BB23C0}"/>
+                </a:ext>
+              </a:extLst>
+            </p:cNvPr>
+            <p:cNvPicPr>
+              <a:picLocks noChangeAspect="1"/>
+            </p:cNvPicPr>
+            <p:nvPr/>
+          </p:nvPicPr>
+          <p:blipFill rotWithShape="1">
+            <a:blip r:embed="rId9"/>
+            <a:srcRect l="4498"/>
+            <a:stretch/>
+          </p:blipFill>
+          <p:spPr>
+            <a:xfrm>
+              <a:off x="1224397" y="1684311"/>
+              <a:ext cx="4572000" cy="1509898"/>
+            </a:xfrm>
+            <a:prstGeom prst="rect">
+              <a:avLst/>
+            </a:prstGeom>
+          </p:spPr>
+        </p:pic>
+        <p:pic>
+          <p:nvPicPr>
+            <p:cNvPr id="11" name="Picture 10">
+              <a:extLst>
+                <a:ext uri="{FF2B5EF4-FFF2-40B4-BE49-F238E27FC236}">
+                  <a16:creationId xmlns:a16="http://schemas.microsoft.com/office/drawing/2014/main" id="{4328728E-F5E8-4D41-60A6-441CC68A9367}"/>
+                </a:ext>
+              </a:extLst>
+            </p:cNvPr>
+            <p:cNvPicPr>
+              <a:picLocks noChangeAspect="1"/>
+            </p:cNvPicPr>
+            <p:nvPr/>
+          </p:nvPicPr>
+          <p:blipFill rotWithShape="1">
+            <a:blip r:embed="rId10">
+              <a:extLst>
+                <a:ext uri="{28A0092B-C50C-407E-A947-70E740481C1C}">
+                  <a14:useLocalDpi xmlns:a14="http://schemas.microsoft.com/office/drawing/2010/main" val="0"/>
+                </a:ext>
+              </a:extLst>
+            </a:blip>
+            <a:srcRect l="28892" t="864" r="6941" b="653"/>
+            <a:stretch/>
+          </p:blipFill>
+          <p:spPr>
+            <a:xfrm>
+              <a:off x="1224397" y="3333450"/>
+              <a:ext cx="4572000" cy="4930851"/>
+            </a:xfrm>
+            <a:prstGeom prst="rect">
+              <a:avLst/>
+            </a:prstGeom>
+            <a:ln w="19050">
+              <a:noFill/>
+            </a:ln>
+          </p:spPr>
+        </p:pic>
+        <p:grpSp>
+          <p:nvGrpSpPr>
+            <p:cNvPr id="9" name="Group 8">
+              <a:extLst>
+                <a:ext uri="{FF2B5EF4-FFF2-40B4-BE49-F238E27FC236}">
+                  <a16:creationId xmlns:a16="http://schemas.microsoft.com/office/drawing/2014/main" id="{500A3088-7064-4B50-9199-05279FAF70C4}"/>
+                </a:ext>
+              </a:extLst>
+            </p:cNvPr>
+            <p:cNvGrpSpPr/>
+            <p:nvPr/>
+          </p:nvGrpSpPr>
+          <p:grpSpPr>
+            <a:xfrm>
+              <a:off x="1224397" y="8392884"/>
+              <a:ext cx="4572000" cy="2722513"/>
+              <a:chOff x="1305794" y="8392884"/>
+              <a:chExt cx="4572000" cy="2722513"/>
+            </a:xfrm>
+          </p:grpSpPr>
+          <p:pic>
+            <p:nvPicPr>
+              <p:cNvPr id="6" name="Picture 5">
+                <a:extLst>
+                  <a:ext uri="{FF2B5EF4-FFF2-40B4-BE49-F238E27FC236}">
+                    <a16:creationId xmlns:a16="http://schemas.microsoft.com/office/drawing/2014/main" id="{4B37A8E3-445B-2A8C-AD82-5EF97BB91A25}"/>
+                  </a:ext>
+                </a:extLst>
+              </p:cNvPr>
+              <p:cNvPicPr>
+                <a:picLocks noChangeAspect="1"/>
+              </p:cNvPicPr>
+              <p:nvPr/>
+            </p:nvPicPr>
+            <p:blipFill>
+              <a:blip r:embed="rId11"/>
+              <a:stretch>
+                <a:fillRect/>
+              </a:stretch>
+            </p:blipFill>
+            <p:spPr>
+              <a:xfrm>
+                <a:off x="3591794" y="8786331"/>
+                <a:ext cx="2286000" cy="2329066"/>
+              </a:xfrm>
+              <a:prstGeom prst="rect">
+                <a:avLst/>
+              </a:prstGeom>
+              <a:ln w="19050">
+                <a:noFill/>
+              </a:ln>
+            </p:spPr>
+          </p:pic>
+          <p:pic>
+            <p:nvPicPr>
+              <p:cNvPr id="13" name="Picture 12" descr="A picture containing treemap chart&#10;&#10;Description automatically generated">
+                <a:extLst>
+                  <a:ext uri="{FF2B5EF4-FFF2-40B4-BE49-F238E27FC236}">
+                    <a16:creationId xmlns:a16="http://schemas.microsoft.com/office/drawing/2014/main" id="{A65ECDFA-9F15-F8EC-96F8-18C06A24A3D7}"/>
+                  </a:ext>
+                </a:extLst>
+              </p:cNvPr>
+              <p:cNvPicPr>
+                <a:picLocks noChangeAspect="1"/>
+              </p:cNvPicPr>
+              <p:nvPr/>
+            </p:nvPicPr>
+            <p:blipFill rotWithShape="1">
+              <a:blip r:embed="rId12"/>
+              <a:srcRect r="9575"/>
+              <a:stretch/>
+            </p:blipFill>
+            <p:spPr>
+              <a:xfrm>
+                <a:off x="1305794" y="8392884"/>
+                <a:ext cx="2286000" cy="2722513"/>
+              </a:xfrm>
+              <a:prstGeom prst="rect">
+                <a:avLst/>
+              </a:prstGeom>
+            </p:spPr>
+          </p:pic>
+        </p:grpSp>
+      </p:grpSp>
     </p:spTree>
     <p:extLst>
       <p:ext uri="{BB962C8B-B14F-4D97-AF65-F5344CB8AC3E}">
